--- a/mkdocs/docs/images/src/canary-progressive-segmentation.pptx
+++ b/mkdocs/docs/images/src/canary-progressive-segmentation.pptx
@@ -4213,7 +4213,7 @@
                   <a:schemeClr val="bg1"/>
                 </a:solidFill>
               </a:rPr>
-              <a:t>v1.0</a:t>
+              <a:t>v1</a:t>
             </a:r>
           </a:p>
         </p:txBody>
@@ -4278,7 +4278,7 @@
                   <a:schemeClr val="bg1"/>
                 </a:solidFill>
               </a:rPr>
-              <a:t>v2.0</a:t>
+              <a:t>v2</a:t>
             </a:r>
           </a:p>
         </p:txBody>
@@ -4927,7 +4927,7 @@
                   <a:schemeClr val="bg1"/>
                 </a:solidFill>
               </a:rPr>
-              <a:t>v1.0</a:t>
+              <a:t>v1</a:t>
             </a:r>
           </a:p>
         </p:txBody>
@@ -4992,7 +4992,7 @@
                   <a:schemeClr val="bg1"/>
                 </a:solidFill>
               </a:rPr>
-              <a:t>v2.0</a:t>
+              <a:t>v2</a:t>
             </a:r>
           </a:p>
         </p:txBody>
@@ -5401,7 +5401,7 @@
                   <a:schemeClr val="bg1"/>
                 </a:solidFill>
               </a:rPr>
-              <a:t>v1.0</a:t>
+              <a:t>v1</a:t>
             </a:r>
           </a:p>
         </p:txBody>
@@ -5466,7 +5466,7 @@
                   <a:schemeClr val="bg1"/>
                 </a:solidFill>
               </a:rPr>
-              <a:t>v2.0</a:t>
+              <a:t>v2</a:t>
             </a:r>
           </a:p>
         </p:txBody>
@@ -5782,7 +5782,7 @@
                   <a:schemeClr val="bg1"/>
                 </a:solidFill>
               </a:rPr>
-              <a:t>v2.0</a:t>
+              <a:t>v2</a:t>
             </a:r>
           </a:p>
         </p:txBody>
